--- a/Lectures/Lecture 1/Занятие 1.pptx
+++ b/Lectures/Lecture 1/Занятие 1.pptx
@@ -5,22 +5,21 @@
     <p:sldMasterId id="2147483648" r:id="rId1"/>
   </p:sldMasterIdLst>
   <p:notesMasterIdLst>
-    <p:notesMasterId r:id="rId15"/>
+    <p:notesMasterId r:id="rId14"/>
   </p:notesMasterIdLst>
   <p:sldIdLst>
     <p:sldId id="256" r:id="rId2"/>
     <p:sldId id="263" r:id="rId3"/>
-    <p:sldId id="297" r:id="rId4"/>
-    <p:sldId id="285" r:id="rId5"/>
-    <p:sldId id="286" r:id="rId6"/>
-    <p:sldId id="287" r:id="rId7"/>
-    <p:sldId id="288" r:id="rId8"/>
-    <p:sldId id="289" r:id="rId9"/>
-    <p:sldId id="292" r:id="rId10"/>
-    <p:sldId id="293" r:id="rId11"/>
-    <p:sldId id="295" r:id="rId12"/>
-    <p:sldId id="296" r:id="rId13"/>
-    <p:sldId id="294" r:id="rId14"/>
+    <p:sldId id="285" r:id="rId4"/>
+    <p:sldId id="286" r:id="rId5"/>
+    <p:sldId id="287" r:id="rId6"/>
+    <p:sldId id="288" r:id="rId7"/>
+    <p:sldId id="289" r:id="rId8"/>
+    <p:sldId id="292" r:id="rId9"/>
+    <p:sldId id="293" r:id="rId10"/>
+    <p:sldId id="295" r:id="rId11"/>
+    <p:sldId id="296" r:id="rId12"/>
+    <p:sldId id="294" r:id="rId13"/>
   </p:sldIdLst>
   <p:sldSz cx="12192000" cy="6858000"/>
   <p:notesSz cx="6858000" cy="9144000"/>
@@ -221,7 +220,7 @@
           <a:p>
             <a:fld id="{8A1824A0-EC7F-4813-A3E7-82F7E7F5E905}" type="datetimeFigureOut">
               <a:rPr lang="ru-RU" smtClean="0"/>
-              <a:t>30.09.2024</a:t>
+              <a:t>19.09.2025</a:t>
             </a:fld>
             <a:endParaRPr lang="ru-RU"/>
           </a:p>
@@ -739,7 +738,7 @@
           <a:p>
             <a:fld id="{25187071-E7D1-4F0D-90F4-41EE461A2EB9}" type="datetimeFigureOut">
               <a:rPr lang="ru-RU" smtClean="0"/>
-              <a:t>30.09.2024</a:t>
+              <a:t>19.09.2025</a:t>
             </a:fld>
             <a:endParaRPr lang="ru-RU"/>
           </a:p>
@@ -937,7 +936,7 @@
           <a:p>
             <a:fld id="{25187071-E7D1-4F0D-90F4-41EE461A2EB9}" type="datetimeFigureOut">
               <a:rPr lang="ru-RU" smtClean="0"/>
-              <a:t>30.09.2024</a:t>
+              <a:t>19.09.2025</a:t>
             </a:fld>
             <a:endParaRPr lang="ru-RU"/>
           </a:p>
@@ -1145,7 +1144,7 @@
           <a:p>
             <a:fld id="{25187071-E7D1-4F0D-90F4-41EE461A2EB9}" type="datetimeFigureOut">
               <a:rPr lang="ru-RU" smtClean="0"/>
-              <a:t>30.09.2024</a:t>
+              <a:t>19.09.2025</a:t>
             </a:fld>
             <a:endParaRPr lang="ru-RU"/>
           </a:p>
@@ -1343,7 +1342,7 @@
           <a:p>
             <a:fld id="{25187071-E7D1-4F0D-90F4-41EE461A2EB9}" type="datetimeFigureOut">
               <a:rPr lang="ru-RU" smtClean="0"/>
-              <a:t>30.09.2024</a:t>
+              <a:t>19.09.2025</a:t>
             </a:fld>
             <a:endParaRPr lang="ru-RU"/>
           </a:p>
@@ -1618,7 +1617,7 @@
           <a:p>
             <a:fld id="{25187071-E7D1-4F0D-90F4-41EE461A2EB9}" type="datetimeFigureOut">
               <a:rPr lang="ru-RU" smtClean="0"/>
-              <a:t>30.09.2024</a:t>
+              <a:t>19.09.2025</a:t>
             </a:fld>
             <a:endParaRPr lang="ru-RU"/>
           </a:p>
@@ -1883,7 +1882,7 @@
           <a:p>
             <a:fld id="{25187071-E7D1-4F0D-90F4-41EE461A2EB9}" type="datetimeFigureOut">
               <a:rPr lang="ru-RU" smtClean="0"/>
-              <a:t>30.09.2024</a:t>
+              <a:t>19.09.2025</a:t>
             </a:fld>
             <a:endParaRPr lang="ru-RU"/>
           </a:p>
@@ -2295,7 +2294,7 @@
           <a:p>
             <a:fld id="{25187071-E7D1-4F0D-90F4-41EE461A2EB9}" type="datetimeFigureOut">
               <a:rPr lang="ru-RU" smtClean="0"/>
-              <a:t>30.09.2024</a:t>
+              <a:t>19.09.2025</a:t>
             </a:fld>
             <a:endParaRPr lang="ru-RU"/>
           </a:p>
@@ -2436,7 +2435,7 @@
           <a:p>
             <a:fld id="{25187071-E7D1-4F0D-90F4-41EE461A2EB9}" type="datetimeFigureOut">
               <a:rPr lang="ru-RU" smtClean="0"/>
-              <a:t>30.09.2024</a:t>
+              <a:t>19.09.2025</a:t>
             </a:fld>
             <a:endParaRPr lang="ru-RU"/>
           </a:p>
@@ -2549,7 +2548,7 @@
           <a:p>
             <a:fld id="{25187071-E7D1-4F0D-90F4-41EE461A2EB9}" type="datetimeFigureOut">
               <a:rPr lang="ru-RU" smtClean="0"/>
-              <a:t>30.09.2024</a:t>
+              <a:t>19.09.2025</a:t>
             </a:fld>
             <a:endParaRPr lang="ru-RU"/>
           </a:p>
@@ -2860,7 +2859,7 @@
           <a:p>
             <a:fld id="{25187071-E7D1-4F0D-90F4-41EE461A2EB9}" type="datetimeFigureOut">
               <a:rPr lang="ru-RU" smtClean="0"/>
-              <a:t>30.09.2024</a:t>
+              <a:t>19.09.2025</a:t>
             </a:fld>
             <a:endParaRPr lang="ru-RU"/>
           </a:p>
@@ -3148,7 +3147,7 @@
           <a:p>
             <a:fld id="{25187071-E7D1-4F0D-90F4-41EE461A2EB9}" type="datetimeFigureOut">
               <a:rPr lang="ru-RU" smtClean="0"/>
-              <a:t>30.09.2024</a:t>
+              <a:t>19.09.2025</a:t>
             </a:fld>
             <a:endParaRPr lang="ru-RU"/>
           </a:p>
@@ -3389,7 +3388,7 @@
           <a:p>
             <a:fld id="{25187071-E7D1-4F0D-90F4-41EE461A2EB9}" type="datetimeFigureOut">
               <a:rPr lang="ru-RU" smtClean="0"/>
-              <a:t>30.09.2024</a:t>
+              <a:t>19.09.2025</a:t>
             </a:fld>
             <a:endParaRPr lang="ru-RU"/>
           </a:p>
@@ -3987,6 +3986,45 @@
             </a:r>
           </a:p>
           <a:p>
+            <a:pPr lvl="1"/>
+            <a:r>
+              <a:rPr lang="en-US" dirty="0">
+                <a:solidFill>
+                  <a:srgbClr val="1F2328"/>
+                </a:solidFill>
+                <a:latin typeface="-apple-system"/>
+              </a:rPr>
+              <a:t>GIT &amp; </a:t>
+            </a:r>
+            <a:r>
+              <a:rPr lang="en-US" dirty="0" err="1">
+                <a:solidFill>
+                  <a:srgbClr val="1F2328"/>
+                </a:solidFill>
+                <a:latin typeface="-apple-system"/>
+              </a:rPr>
+              <a:t>Jupyter</a:t>
+            </a:r>
+            <a:r>
+              <a:rPr lang="en-US" dirty="0">
+                <a:solidFill>
+                  <a:srgbClr val="1F2328"/>
+                </a:solidFill>
+                <a:latin typeface="-apple-system"/>
+              </a:rPr>
+              <a:t> Notebook</a:t>
+            </a:r>
+          </a:p>
+          <a:p>
+            <a:pPr lvl="1"/>
+            <a:endParaRPr lang="en-US" dirty="0">
+              <a:solidFill>
+                <a:srgbClr val="1F2328"/>
+              </a:solidFill>
+              <a:latin typeface="-apple-system"/>
+            </a:endParaRPr>
+          </a:p>
+          <a:p>
             <a:endParaRPr lang="ru-RU" dirty="0"/>
           </a:p>
         </p:txBody>
@@ -3994,7 +4032,7 @@
     </p:spTree>
     <p:extLst>
       <p:ext uri="{BB962C8B-B14F-4D97-AF65-F5344CB8AC3E}">
-        <p14:creationId xmlns:p14="http://schemas.microsoft.com/office/powerpoint/2010/main" val="1219801886"/>
+        <p14:creationId xmlns:p14="http://schemas.microsoft.com/office/powerpoint/2010/main" val="355307715"/>
       </p:ext>
     </p:extLst>
   </p:cSld>
@@ -4132,159 +4170,6 @@
           </a:p>
           <a:p>
             <a:pPr lvl="1"/>
-            <a:endParaRPr lang="en-US" dirty="0">
-              <a:solidFill>
-                <a:srgbClr val="1F2328"/>
-              </a:solidFill>
-              <a:latin typeface="-apple-system"/>
-            </a:endParaRPr>
-          </a:p>
-          <a:p>
-            <a:endParaRPr lang="ru-RU" dirty="0"/>
-          </a:p>
-        </p:txBody>
-      </p:sp>
-    </p:spTree>
-    <p:extLst>
-      <p:ext uri="{BB962C8B-B14F-4D97-AF65-F5344CB8AC3E}">
-        <p14:creationId xmlns:p14="http://schemas.microsoft.com/office/powerpoint/2010/main" val="355307715"/>
-      </p:ext>
-    </p:extLst>
-  </p:cSld>
-  <p:clrMapOvr>
-    <a:masterClrMapping/>
-  </p:clrMapOvr>
-</p:sld>
-</file>
-
-<file path=ppt/slides/slide12.xml><?xml version="1.0" encoding="utf-8"?>
-<p:sld xmlns:a="http://schemas.openxmlformats.org/drawingml/2006/main" xmlns:r="http://schemas.openxmlformats.org/officeDocument/2006/relationships" xmlns:p="http://schemas.openxmlformats.org/presentationml/2006/main">
-  <p:cSld>
-    <p:spTree>
-      <p:nvGrpSpPr>
-        <p:cNvPr id="1" name=""/>
-        <p:cNvGrpSpPr/>
-        <p:nvPr/>
-      </p:nvGrpSpPr>
-      <p:grpSpPr>
-        <a:xfrm>
-          <a:off x="0" y="0"/>
-          <a:ext cx="0" cy="0"/>
-          <a:chOff x="0" y="0"/>
-          <a:chExt cx="0" cy="0"/>
-        </a:xfrm>
-      </p:grpSpPr>
-      <p:sp>
-        <p:nvSpPr>
-          <p:cNvPr id="2" name="Заголовок 1">
-            <a:extLst>
-              <a:ext uri="{FF2B5EF4-FFF2-40B4-BE49-F238E27FC236}">
-                <a16:creationId xmlns:a16="http://schemas.microsoft.com/office/drawing/2014/main" id="{A390291F-E119-3FF8-FA6A-EC94746DA763}"/>
-              </a:ext>
-            </a:extLst>
-          </p:cNvPr>
-          <p:cNvSpPr>
-            <a:spLocks noGrp="1"/>
-          </p:cNvSpPr>
-          <p:nvPr>
-            <p:ph type="title"/>
-          </p:nvPr>
-        </p:nvSpPr>
-        <p:spPr/>
-        <p:txBody>
-          <a:bodyPr/>
-          <a:lstStyle/>
-          <a:p>
-            <a:r>
-              <a:rPr lang="ru-RU" dirty="0"/>
-              <a:t>Небольшая синхронизация</a:t>
-            </a:r>
-          </a:p>
-        </p:txBody>
-      </p:sp>
-      <p:sp>
-        <p:nvSpPr>
-          <p:cNvPr id="3" name="Объект 2">
-            <a:extLst>
-              <a:ext uri="{FF2B5EF4-FFF2-40B4-BE49-F238E27FC236}">
-                <a16:creationId xmlns:a16="http://schemas.microsoft.com/office/drawing/2014/main" id="{DAB17BAD-8B47-CE9E-5428-08E8B2110C7C}"/>
-              </a:ext>
-            </a:extLst>
-          </p:cNvPr>
-          <p:cNvSpPr>
-            <a:spLocks noGrp="1"/>
-          </p:cNvSpPr>
-          <p:nvPr>
-            <p:ph idx="1"/>
-          </p:nvPr>
-        </p:nvSpPr>
-        <p:spPr>
-          <a:xfrm>
-            <a:off x="838199" y="1825625"/>
-            <a:ext cx="10613572" cy="4351338"/>
-          </a:xfrm>
-        </p:spPr>
-        <p:txBody>
-          <a:bodyPr>
-            <a:normAutofit/>
-          </a:bodyPr>
-          <a:lstStyle/>
-          <a:p>
-            <a:r>
-              <a:rPr lang="ru-RU" b="0" i="0" dirty="0">
-                <a:solidFill>
-                  <a:srgbClr val="1F2328"/>
-                </a:solidFill>
-                <a:effectLst/>
-                <a:latin typeface="-apple-system"/>
-              </a:rPr>
-              <a:t>Напишите, пожалуйста, насколько хорошо вы знакомы с:</a:t>
-            </a:r>
-          </a:p>
-          <a:p>
-            <a:pPr lvl="1"/>
-            <a:r>
-              <a:rPr lang="en-US" dirty="0">
-                <a:solidFill>
-                  <a:srgbClr val="1F2328"/>
-                </a:solidFill>
-                <a:latin typeface="-apple-system"/>
-              </a:rPr>
-              <a:t>Python</a:t>
-            </a:r>
-          </a:p>
-          <a:p>
-            <a:pPr lvl="1"/>
-            <a:r>
-              <a:rPr lang="en-US" dirty="0">
-                <a:solidFill>
-                  <a:srgbClr val="1F2328"/>
-                </a:solidFill>
-                <a:latin typeface="-apple-system"/>
-              </a:rPr>
-              <a:t>GIT &amp; </a:t>
-            </a:r>
-            <a:r>
-              <a:rPr lang="en-US" dirty="0" err="1">
-                <a:solidFill>
-                  <a:srgbClr val="1F2328"/>
-                </a:solidFill>
-                <a:latin typeface="-apple-system"/>
-              </a:rPr>
-              <a:t>Jupyter</a:t>
-            </a:r>
-            <a:r>
-              <a:rPr lang="en-US" dirty="0">
-                <a:solidFill>
-                  <a:srgbClr val="1F2328"/>
-                </a:solidFill>
-                <a:latin typeface="-apple-system"/>
-              </a:rPr>
-              <a:t> Notebook</a:t>
-            </a:r>
-          </a:p>
-          <a:p>
-            <a:pPr lvl="1"/>
             <a:r>
               <a:rPr lang="en-US" dirty="0">
                 <a:solidFill>
@@ -4322,7 +4207,7 @@
 </p:sld>
 </file>
 
-<file path=ppt/slides/slide13.xml><?xml version="1.0" encoding="utf-8"?>
+<file path=ppt/slides/slide12.xml><?xml version="1.0" encoding="utf-8"?>
 <p:sld xmlns:a="http://schemas.openxmlformats.org/drawingml/2006/main" xmlns:r="http://schemas.openxmlformats.org/officeDocument/2006/relationships" xmlns:p="http://schemas.openxmlformats.org/presentationml/2006/main">
   <p:cSld>
     <p:spTree>
@@ -4497,7 +4382,7 @@
             <p:ph idx="1"/>
             <p:extLst>
               <p:ext uri="{D42A27DB-BD31-4B8C-83A1-F6EECF244321}">
-                <p14:modId xmlns:p14="http://schemas.microsoft.com/office/powerpoint/2010/main" val="2830378711"/>
+                <p14:modId xmlns:p14="http://schemas.microsoft.com/office/powerpoint/2010/main" val="3802214499"/>
               </p:ext>
             </p:extLst>
           </p:nvPr>
@@ -4535,7 +4420,7 @@
                       <a:pPr lvl="1"/>
                       <a:r>
                         <a:rPr lang="ru-RU" sz="1600" dirty="0"/>
-                        <a:t>1.1. </a:t>
+                        <a:t>1.1 </a:t>
                       </a:r>
                       <a:r>
                         <a:rPr lang="ru-RU" sz="1600" dirty="0" err="1"/>
@@ -4573,13 +4458,16 @@
                         <a:rPr lang="ru-RU" sz="1600" dirty="0" err="1"/>
                         <a:t>Colab</a:t>
                       </a:r>
-                      <a:endParaRPr lang="ru-RU" sz="1600" dirty="0"/>
+                      <a:r>
+                        <a:rPr lang="ru-RU" sz="1600" dirty="0"/>
+                        <a:t>, профилирование кода по памяти/времени</a:t>
+                      </a:r>
                     </a:p>
                     <a:p>
                       <a:pPr lvl="1"/>
                       <a:r>
                         <a:rPr lang="ru-RU" sz="1600" dirty="0"/>
-                        <a:t>1.2. Обработка больших массивов данных: оптимизация </a:t>
+                        <a:t>1.2 Обработка больших массивов данных: оптимизация </a:t>
                       </a:r>
                       <a:r>
                         <a:rPr lang="ru-RU" sz="1600" dirty="0" err="1"/>
@@ -4601,13 +4489,21 @@
                         <a:rPr lang="ru-RU" sz="1600" dirty="0" err="1"/>
                         <a:t>Polars</a:t>
                       </a:r>
+                      <a:r>
+                        <a:rPr lang="ru-RU" sz="1600" dirty="0"/>
+                        <a:t>, </a:t>
+                      </a:r>
+                      <a:r>
+                        <a:rPr lang="en-US" sz="1600" dirty="0" err="1"/>
+                        <a:t>Numba</a:t>
+                      </a:r>
                       <a:endParaRPr lang="ru-RU" sz="1600" dirty="0"/>
                     </a:p>
                     <a:p>
                       <a:pPr lvl="1"/>
                       <a:r>
                         <a:rPr lang="ru-RU" sz="1600" dirty="0"/>
-                        <a:t>1.3. Визуализация, </a:t>
+                        <a:t>1.3 Визуализация, </a:t>
                       </a:r>
                       <a:r>
                         <a:rPr lang="ru-RU" sz="1600" dirty="0" err="1"/>
@@ -4635,7 +4531,7 @@
                       <a:pPr lvl="1"/>
                       <a:r>
                         <a:rPr lang="ru-RU" sz="1600" dirty="0"/>
-                        <a:t>1.4. EDA (</a:t>
+                        <a:t>1.4 EDA (</a:t>
                       </a:r>
                       <a:r>
                         <a:rPr lang="ru-RU" sz="1600" dirty="0" err="1"/>
@@ -4650,7 +4546,7 @@
                       <a:pPr lvl="1"/>
                       <a:r>
                         <a:rPr lang="ru-RU" sz="1600" dirty="0"/>
-                        <a:t>1.5. Типология задач в ML</a:t>
+                        <a:t>1.5 Типология задач в ML</a:t>
                       </a:r>
                     </a:p>
                     <a:p>
@@ -4695,13 +4591,16 @@
                         <a:rPr lang="ru-RU" sz="1600" dirty="0" err="1"/>
                         <a:t>Кроссвалидация</a:t>
                       </a:r>
-                      <a:endParaRPr lang="ru-RU" sz="1600" dirty="0"/>
+                      <a:r>
+                        <a:rPr lang="ru-RU" sz="1600" dirty="0"/>
+                        <a:t> - базовые и продвинутые схемы</a:t>
+                      </a:r>
                     </a:p>
                     <a:p>
                       <a:pPr lvl="1"/>
                       <a:r>
                         <a:rPr lang="ru-RU" sz="1600" dirty="0"/>
-                        <a:t>2.4.Обеспечение воспроизводимости экспериментов: инструменты и лучшие практики</a:t>
+                        <a:t>2.4 Обеспечение воспроизводимости экспериментов: инструменты и лучшие практики</a:t>
                       </a:r>
                     </a:p>
                     <a:p>
@@ -4739,7 +4638,7 @@
                       <a:pPr lvl="1"/>
                       <a:r>
                         <a:rPr lang="ru-RU" sz="1600" dirty="0"/>
-                        <a:t>3.2. Улучшение модели: оптимизация </a:t>
+                        <a:t>3.2 Улучшение модели: оптимизация </a:t>
                       </a:r>
                       <a:r>
                         <a:rPr lang="ru-RU" sz="1600" dirty="0" err="1"/>
@@ -4794,13 +4693,8 @@
                       </a:r>
                       <a:r>
                         <a:rPr lang="ru-RU" sz="1600" dirty="0"/>
-                        <a:t>, LIME</a:t>
+                        <a:t>, LIME, …</a:t>
                       </a:r>
-                      <a:r>
-                        <a:rPr lang="ru-RU" sz="1600"/>
-                        <a:t>, …</a:t>
-                      </a:r>
-                      <a:endParaRPr lang="ru-RU" sz="1600" dirty="0"/>
                     </a:p>
                     <a:p>
                       <a:pPr lvl="1"/>
@@ -4925,413 +4819,147 @@
           <a:p>
             <a:r>
               <a:rPr lang="ru-RU" dirty="0"/>
-              <a:t>А где научные данные?</a:t>
-            </a:r>
-          </a:p>
-        </p:txBody>
-      </p:sp>
-      <p:graphicFrame>
-        <p:nvGraphicFramePr>
-          <p:cNvPr id="6" name="Объект 5">
-            <a:extLst>
-              <a:ext uri="{FF2B5EF4-FFF2-40B4-BE49-F238E27FC236}">
-                <a16:creationId xmlns:a16="http://schemas.microsoft.com/office/drawing/2014/main" id="{39066AAF-F012-8E56-E267-1F3B4742898C}"/>
-              </a:ext>
-            </a:extLst>
-          </p:cNvPr>
-          <p:cNvGraphicFramePr>
-            <a:graphicFrameLocks noGrp="1"/>
-          </p:cNvGraphicFramePr>
+              <a:t>Как закрыть курс?</a:t>
+            </a:r>
+          </a:p>
+        </p:txBody>
+      </p:sp>
+      <p:sp>
+        <p:nvSpPr>
+          <p:cNvPr id="3" name="Объект 2">
+            <a:extLst>
+              <a:ext uri="{FF2B5EF4-FFF2-40B4-BE49-F238E27FC236}">
+                <a16:creationId xmlns:a16="http://schemas.microsoft.com/office/drawing/2014/main" id="{DAB17BAD-8B47-CE9E-5428-08E8B2110C7C}"/>
+              </a:ext>
+            </a:extLst>
+          </p:cNvPr>
+          <p:cNvSpPr>
+            <a:spLocks noGrp="1"/>
+          </p:cNvSpPr>
           <p:nvPr>
             <p:ph idx="1"/>
-            <p:extLst>
-              <p:ext uri="{D42A27DB-BD31-4B8C-83A1-F6EECF244321}">
-                <p14:modId xmlns:p14="http://schemas.microsoft.com/office/powerpoint/2010/main" val="1906628128"/>
-              </p:ext>
-            </p:extLst>
-          </p:nvPr>
-        </p:nvGraphicFramePr>
-        <p:xfrm>
-          <a:off x="975360" y="1375953"/>
-          <a:ext cx="10763794" cy="4376691"/>
-        </p:xfrm>
-        <a:graphic>
-          <a:graphicData uri="http://schemas.openxmlformats.org/drawingml/2006/table">
-            <a:tbl>
-              <a:tblPr/>
-              <a:tblGrid>
-                <a:gridCol w="10763794">
-                  <a:extLst>
-                    <a:ext uri="{9D8B030D-6E8A-4147-A177-3AD203B41FA5}">
-                      <a16:colId xmlns:a16="http://schemas.microsoft.com/office/drawing/2014/main" val="2385034589"/>
-                    </a:ext>
-                  </a:extLst>
-                </a:gridCol>
-              </a:tblGrid>
-              <a:tr h="4376691">
-                <a:tc>
-                  <a:txBody>
-                    <a:bodyPr/>
-                    <a:lstStyle/>
-                    <a:p>
-                      <a:r>
-                        <a:rPr lang="ru-RU" sz="1600" dirty="0"/>
-                        <a:t>В</a:t>
-                      </a:r>
-                    </a:p>
-                  </a:txBody>
-                  <a:tcPr marL="19779" marR="19779" marT="13186" marB="13186" anchor="b">
-                    <a:lnL w="9525" cap="flat" cmpd="sng" algn="ctr">
-                      <a:noFill/>
-                      <a:prstDash val="solid"/>
-                      <a:round/>
-                      <a:headEnd type="none" w="med" len="med"/>
-                      <a:tailEnd type="none" w="med" len="med"/>
-                    </a:lnL>
-                    <a:lnR w="9525" cap="flat" cmpd="sng" algn="ctr">
-                      <a:noFill/>
-                      <a:prstDash val="solid"/>
-                      <a:round/>
-                      <a:headEnd type="none" w="med" len="med"/>
-                      <a:tailEnd type="none" w="med" len="med"/>
-                    </a:lnR>
-                    <a:lnT w="9525" cap="flat" cmpd="sng" algn="ctr">
-                      <a:noFill/>
-                      <a:prstDash val="solid"/>
-                      <a:round/>
-                      <a:headEnd type="none" w="med" len="med"/>
-                      <a:tailEnd type="none" w="med" len="med"/>
-                    </a:lnT>
-                    <a:lnB w="9525" cap="flat" cmpd="sng" algn="ctr">
-                      <a:noFill/>
-                      <a:prstDash val="solid"/>
-                      <a:round/>
-                      <a:headEnd type="none" w="med" len="med"/>
-                      <a:tailEnd type="none" w="med" len="med"/>
-                    </a:lnB>
-                    <a:lnTlToBr w="12700" cmpd="sng">
-                      <a:noFill/>
-                      <a:prstDash val="solid"/>
-                    </a:lnTlToBr>
-                    <a:lnBlToTr w="12700" cmpd="sng">
-                      <a:noFill/>
-                      <a:prstDash val="solid"/>
-                    </a:lnBlToTr>
-                    <a:noFill/>
-                  </a:tcPr>
-                </a:tc>
-                <a:extLst>
-                  <a:ext uri="{0D108BD9-81ED-4DB2-BD59-A6C34878D82A}">
-                    <a16:rowId xmlns:a16="http://schemas.microsoft.com/office/drawing/2014/main" val="2740780675"/>
-                  </a:ext>
-                </a:extLst>
-              </a:tr>
-            </a:tbl>
-          </a:graphicData>
-        </a:graphic>
-      </p:graphicFrame>
-      <p:sp>
-        <p:nvSpPr>
-          <p:cNvPr id="3" name="Объект 2">
-            <a:extLst>
-              <a:ext uri="{FF2B5EF4-FFF2-40B4-BE49-F238E27FC236}">
-                <a16:creationId xmlns:a16="http://schemas.microsoft.com/office/drawing/2014/main" id="{67402A9A-DC75-45EC-44C9-B05DD1B1A8B3}"/>
-              </a:ext>
-            </a:extLst>
-          </p:cNvPr>
-          <p:cNvSpPr txBox="1">
-            <a:spLocks/>
-          </p:cNvSpPr>
-          <p:nvPr/>
+          </p:nvPr>
         </p:nvSpPr>
         <p:spPr>
           <a:xfrm>
-            <a:off x="838200" y="1545997"/>
+            <a:off x="838199" y="1825625"/>
             <a:ext cx="11162212" cy="4351338"/>
           </a:xfrm>
-          <a:prstGeom prst="rect">
-            <a:avLst/>
-          </a:prstGeom>
         </p:spPr>
         <p:txBody>
-          <a:bodyPr vert="horz" lIns="91440" tIns="45720" rIns="91440" bIns="45720" rtlCol="0">
+          <a:bodyPr>
             <a:normAutofit/>
           </a:bodyPr>
-          <a:lstStyle>
-            <a:lvl1pPr marL="228600" indent="-228600" algn="l" defTabSz="914400" rtl="0" eaLnBrk="1" latinLnBrk="0" hangingPunct="1">
-              <a:lnSpc>
-                <a:spcPct val="90000"/>
-              </a:lnSpc>
-              <a:spcBef>
-                <a:spcPts val="1000"/>
-              </a:spcBef>
-              <a:buFont typeface="Arial" panose="020B0604020202020204" pitchFamily="34" charset="0"/>
-              <a:buChar char="•"/>
-              <a:defRPr sz="2800" kern="1200">
+          <a:lstStyle/>
+          <a:p>
+            <a:r>
+              <a:rPr lang="ru-RU" dirty="0"/>
+              <a:t>3 домашних заданий </a:t>
+            </a:r>
+            <a:r>
+              <a:rPr lang="en-US" dirty="0"/>
+              <a:t>–</a:t>
+            </a:r>
+            <a:r>
+              <a:rPr lang="ru-RU" dirty="0"/>
+              <a:t> 3*30=90 баллов</a:t>
+            </a:r>
+          </a:p>
+          <a:p>
+            <a:r>
+              <a:rPr lang="ru-RU" dirty="0"/>
+              <a:t>Выступление со своей работой – 10 баллов </a:t>
+            </a:r>
+          </a:p>
+          <a:p>
+            <a:endParaRPr lang="ru-RU" dirty="0"/>
+          </a:p>
+          <a:p>
+            <a:r>
+              <a:rPr lang="en-US" dirty="0">
                 <a:solidFill>
-                  <a:schemeClr val="tx1"/>
+                  <a:srgbClr val="FF0000"/>
                 </a:solidFill>
-                <a:latin typeface="+mn-lt"/>
-                <a:ea typeface="+mn-ea"/>
-                <a:cs typeface="+mn-cs"/>
-              </a:defRPr>
-            </a:lvl1pPr>
-            <a:lvl2pPr marL="685800" indent="-228600" algn="l" defTabSz="914400" rtl="0" eaLnBrk="1" latinLnBrk="0" hangingPunct="1">
-              <a:lnSpc>
-                <a:spcPct val="90000"/>
-              </a:lnSpc>
-              <a:spcBef>
-                <a:spcPts val="500"/>
-              </a:spcBef>
-              <a:buFont typeface="Arial" panose="020B0604020202020204" pitchFamily="34" charset="0"/>
-              <a:buChar char="•"/>
-              <a:defRPr sz="2400" kern="1200">
+              </a:rPr>
+              <a:t>[7</a:t>
+            </a:r>
+            <a:r>
+              <a:rPr lang="ru-RU" dirty="0">
                 <a:solidFill>
-                  <a:schemeClr val="tx1"/>
+                  <a:srgbClr val="FF0000"/>
                 </a:solidFill>
-                <a:latin typeface="+mn-lt"/>
-                <a:ea typeface="+mn-ea"/>
-                <a:cs typeface="+mn-cs"/>
-              </a:defRPr>
-            </a:lvl2pPr>
-            <a:lvl3pPr marL="1143000" indent="-228600" algn="l" defTabSz="914400" rtl="0" eaLnBrk="1" latinLnBrk="0" hangingPunct="1">
-              <a:lnSpc>
-                <a:spcPct val="90000"/>
-              </a:lnSpc>
-              <a:spcBef>
-                <a:spcPts val="500"/>
-              </a:spcBef>
-              <a:buFont typeface="Arial" panose="020B0604020202020204" pitchFamily="34" charset="0"/>
-              <a:buChar char="•"/>
-              <a:defRPr sz="2000" kern="1200">
+              </a:rPr>
+              <a:t>0</a:t>
+            </a:r>
+            <a:r>
+              <a:rPr lang="en-US" dirty="0">
                 <a:solidFill>
-                  <a:schemeClr val="tx1"/>
+                  <a:srgbClr val="FF0000"/>
                 </a:solidFill>
-                <a:latin typeface="+mn-lt"/>
-                <a:ea typeface="+mn-ea"/>
-                <a:cs typeface="+mn-cs"/>
-              </a:defRPr>
-            </a:lvl3pPr>
-            <a:lvl4pPr marL="1600200" indent="-228600" algn="l" defTabSz="914400" rtl="0" eaLnBrk="1" latinLnBrk="0" hangingPunct="1">
-              <a:lnSpc>
-                <a:spcPct val="90000"/>
-              </a:lnSpc>
-              <a:spcBef>
-                <a:spcPts val="500"/>
-              </a:spcBef>
-              <a:buFont typeface="Arial" panose="020B0604020202020204" pitchFamily="34" charset="0"/>
-              <a:buChar char="•"/>
-              <a:defRPr sz="1800" kern="1200">
+              </a:rPr>
+              <a:t>; </a:t>
+            </a:r>
+            <a:r>
+              <a:rPr lang="ru-RU" dirty="0">
                 <a:solidFill>
-                  <a:schemeClr val="tx1"/>
+                  <a:srgbClr val="FF0000"/>
                 </a:solidFill>
-                <a:latin typeface="+mn-lt"/>
-                <a:ea typeface="+mn-ea"/>
-                <a:cs typeface="+mn-cs"/>
-              </a:defRPr>
-            </a:lvl4pPr>
-            <a:lvl5pPr marL="2057400" indent="-228600" algn="l" defTabSz="914400" rtl="0" eaLnBrk="1" latinLnBrk="0" hangingPunct="1">
-              <a:lnSpc>
-                <a:spcPct val="90000"/>
-              </a:lnSpc>
-              <a:spcBef>
-                <a:spcPts val="500"/>
-              </a:spcBef>
-              <a:buFont typeface="Arial" panose="020B0604020202020204" pitchFamily="34" charset="0"/>
-              <a:buChar char="•"/>
-              <a:defRPr sz="1800" kern="1200">
+              </a:rPr>
+              <a:t>10</a:t>
+            </a:r>
+            <a:r>
+              <a:rPr lang="en-US" dirty="0">
                 <a:solidFill>
-                  <a:schemeClr val="tx1"/>
+                  <a:srgbClr val="FF0000"/>
                 </a:solidFill>
-                <a:latin typeface="+mn-lt"/>
-                <a:ea typeface="+mn-ea"/>
-                <a:cs typeface="+mn-cs"/>
-              </a:defRPr>
-            </a:lvl5pPr>
-            <a:lvl6pPr marL="2514600" indent="-228600" algn="l" defTabSz="914400" rtl="0" eaLnBrk="1" latinLnBrk="0" hangingPunct="1">
-              <a:lnSpc>
-                <a:spcPct val="90000"/>
-              </a:lnSpc>
-              <a:spcBef>
-                <a:spcPts val="500"/>
-              </a:spcBef>
-              <a:buFont typeface="Arial" panose="020B0604020202020204" pitchFamily="34" charset="0"/>
-              <a:buChar char="•"/>
-              <a:defRPr sz="1800" kern="1200">
+              </a:rPr>
+              <a:t>0] </a:t>
+            </a:r>
+            <a:r>
+              <a:rPr lang="ru-RU" dirty="0">
                 <a:solidFill>
-                  <a:schemeClr val="tx1"/>
+                  <a:srgbClr val="FF0000"/>
                 </a:solidFill>
-                <a:latin typeface="+mn-lt"/>
-                <a:ea typeface="+mn-ea"/>
-                <a:cs typeface="+mn-cs"/>
-              </a:defRPr>
-            </a:lvl6pPr>
-            <a:lvl7pPr marL="2971800" indent="-228600" algn="l" defTabSz="914400" rtl="0" eaLnBrk="1" latinLnBrk="0" hangingPunct="1">
-              <a:lnSpc>
-                <a:spcPct val="90000"/>
-              </a:lnSpc>
-              <a:spcBef>
-                <a:spcPts val="500"/>
-              </a:spcBef>
-              <a:buFont typeface="Arial" panose="020B0604020202020204" pitchFamily="34" charset="0"/>
-              <a:buChar char="•"/>
-              <a:defRPr sz="1800" kern="1200">
-                <a:solidFill>
-                  <a:schemeClr val="tx1"/>
-                </a:solidFill>
-                <a:latin typeface="+mn-lt"/>
-                <a:ea typeface="+mn-ea"/>
-                <a:cs typeface="+mn-cs"/>
-              </a:defRPr>
-            </a:lvl7pPr>
-            <a:lvl8pPr marL="3429000" indent="-228600" algn="l" defTabSz="914400" rtl="0" eaLnBrk="1" latinLnBrk="0" hangingPunct="1">
-              <a:lnSpc>
-                <a:spcPct val="90000"/>
-              </a:lnSpc>
-              <a:spcBef>
-                <a:spcPts val="500"/>
-              </a:spcBef>
-              <a:buFont typeface="Arial" panose="020B0604020202020204" pitchFamily="34" charset="0"/>
-              <a:buChar char="•"/>
-              <a:defRPr sz="1800" kern="1200">
-                <a:solidFill>
-                  <a:schemeClr val="tx1"/>
-                </a:solidFill>
-                <a:latin typeface="+mn-lt"/>
-                <a:ea typeface="+mn-ea"/>
-                <a:cs typeface="+mn-cs"/>
-              </a:defRPr>
-            </a:lvl8pPr>
-            <a:lvl9pPr marL="3886200" indent="-228600" algn="l" defTabSz="914400" rtl="0" eaLnBrk="1" latinLnBrk="0" hangingPunct="1">
-              <a:lnSpc>
-                <a:spcPct val="90000"/>
-              </a:lnSpc>
-              <a:spcBef>
-                <a:spcPts val="500"/>
-              </a:spcBef>
-              <a:buFont typeface="Arial" panose="020B0604020202020204" pitchFamily="34" charset="0"/>
-              <a:buChar char="•"/>
-              <a:defRPr sz="1800" kern="1200">
-                <a:solidFill>
-                  <a:schemeClr val="tx1"/>
-                </a:solidFill>
-                <a:latin typeface="+mn-lt"/>
-                <a:ea typeface="+mn-ea"/>
-                <a:cs typeface="+mn-cs"/>
-              </a:defRPr>
-            </a:lvl9pPr>
-          </a:lstStyle>
-          <a:p>
+              </a:rPr>
+              <a:t>баллов – «Зачет»</a:t>
+            </a:r>
+          </a:p>
+          <a:p>
+            <a:endParaRPr lang="ru-RU" dirty="0"/>
+          </a:p>
+          <a:p>
+            <a:pPr marL="0" indent="0">
+              <a:buNone/>
+            </a:pPr>
             <a:r>
               <a:rPr lang="ru-RU" dirty="0"/>
-              <a:t>В рамках курса для проекта можно взять «научный» датасет</a:t>
-            </a:r>
-          </a:p>
-          <a:p>
+              <a:t>Добрать баллы на ПА </a:t>
+            </a:r>
+            <a:r>
+              <a:rPr lang="en-US" dirty="0"/>
+              <a:t>–</a:t>
+            </a:r>
             <a:r>
               <a:rPr lang="ru-RU" dirty="0"/>
-              <a:t>Также мы поговорим про </a:t>
-            </a:r>
-            <a:r>
-              <a:rPr lang="en-US" dirty="0"/>
-              <a:t>ML </a:t>
-            </a:r>
-            <a:r>
-              <a:rPr lang="ru-RU" dirty="0"/>
-              <a:t>в:</a:t>
-            </a:r>
-          </a:p>
-          <a:p>
-            <a:pPr lvl="1"/>
-            <a:r>
-              <a:rPr lang="ru-RU" dirty="0"/>
-              <a:t>пространственной </a:t>
-            </a:r>
-            <a:r>
-              <a:rPr lang="ru-RU" dirty="0" err="1"/>
-              <a:t>геоаналитике</a:t>
-            </a:r>
+              <a:t> можно</a:t>
+            </a:r>
+            <a:endParaRPr lang="en-US" dirty="0"/>
+          </a:p>
+          <a:p>
+            <a:endParaRPr lang="en-US" dirty="0"/>
+          </a:p>
+          <a:p>
+            <a:endParaRPr lang="en-US" dirty="0"/>
+          </a:p>
+          <a:p>
             <a:endParaRPr lang="ru-RU" dirty="0"/>
           </a:p>
-          <a:p>
-            <a:pPr lvl="1"/>
-            <a:r>
-              <a:rPr lang="ru-RU" dirty="0"/>
-              <a:t>физике</a:t>
-            </a:r>
-          </a:p>
-          <a:p>
-            <a:pPr lvl="1"/>
-            <a:r>
-              <a:rPr lang="ru-RU" dirty="0"/>
-              <a:t>социальных науках</a:t>
-            </a:r>
-          </a:p>
-          <a:p>
-            <a:pPr lvl="1"/>
-            <a:endParaRPr lang="ru-RU" dirty="0"/>
-          </a:p>
-          <a:p>
-            <a:pPr lvl="1"/>
-            <a:endParaRPr lang="ru-RU" dirty="0"/>
-          </a:p>
-          <a:p>
-            <a:pPr lvl="1"/>
-            <a:endParaRPr lang="ru-RU" dirty="0"/>
-          </a:p>
-        </p:txBody>
-      </p:sp>
-      <p:pic>
-        <p:nvPicPr>
-          <p:cNvPr id="2050" name="Picture 2" descr="Создать мем «джон траволта, криминальное чтиво» онлайн">
-            <a:extLst>
-              <a:ext uri="{FF2B5EF4-FFF2-40B4-BE49-F238E27FC236}">
-                <a16:creationId xmlns:a16="http://schemas.microsoft.com/office/drawing/2014/main" id="{BF60289B-84AE-6983-5041-265EAABD7C28}"/>
-              </a:ext>
-            </a:extLst>
-          </p:cNvPr>
-          <p:cNvPicPr>
-            <a:picLocks noChangeAspect="1" noChangeArrowheads="1"/>
-          </p:cNvPicPr>
-          <p:nvPr/>
-        </p:nvPicPr>
-        <p:blipFill>
-          <a:blip r:embed="rId2">
-            <a:extLst>
-              <a:ext uri="{28A0092B-C50C-407E-A947-70E740481C1C}">
-                <a14:useLocalDpi xmlns:a14="http://schemas.microsoft.com/office/drawing/2010/main" val="0"/>
-              </a:ext>
-            </a:extLst>
-          </a:blip>
-          <a:srcRect/>
-          <a:stretch>
-            <a:fillRect/>
-          </a:stretch>
-        </p:blipFill>
-        <p:spPr bwMode="auto">
-          <a:xfrm>
-            <a:off x="7521847" y="3429000"/>
-            <a:ext cx="4217307" cy="3167379"/>
-          </a:xfrm>
-          <a:prstGeom prst="rect">
-            <a:avLst/>
-          </a:prstGeom>
-          <a:noFill/>
-          <a:extLst>
-            <a:ext uri="{909E8E84-426E-40DD-AFC4-6F175D3DCCD1}">
-              <a14:hiddenFill xmlns:a14="http://schemas.microsoft.com/office/drawing/2010/main">
-                <a:solidFill>
-                  <a:srgbClr val="FFFFFF"/>
-                </a:solidFill>
-              </a14:hiddenFill>
-            </a:ext>
-          </a:extLst>
-        </p:spPr>
-      </p:pic>
+        </p:txBody>
+      </p:sp>
     </p:spTree>
     <p:extLst>
       <p:ext uri="{BB962C8B-B14F-4D97-AF65-F5344CB8AC3E}">
-        <p14:creationId xmlns:p14="http://schemas.microsoft.com/office/powerpoint/2010/main" val="3506005070"/>
+        <p14:creationId xmlns:p14="http://schemas.microsoft.com/office/powerpoint/2010/main" val="1330453069"/>
       </p:ext>
     </p:extLst>
   </p:cSld>
@@ -5381,17 +5009,17 @@
           <a:p>
             <a:r>
               <a:rPr lang="ru-RU" dirty="0"/>
-              <a:t>Как закрыть курс?</a:t>
-            </a:r>
-          </a:p>
-        </p:txBody>
-      </p:sp>
-      <p:sp>
-        <p:nvSpPr>
-          <p:cNvPr id="3" name="Объект 2">
-            <a:extLst>
-              <a:ext uri="{FF2B5EF4-FFF2-40B4-BE49-F238E27FC236}">
-                <a16:creationId xmlns:a16="http://schemas.microsoft.com/office/drawing/2014/main" id="{DAB17BAD-8B47-CE9E-5428-08E8B2110C7C}"/>
+              <a:t>Что за ДЗ такие?</a:t>
+            </a:r>
+          </a:p>
+        </p:txBody>
+      </p:sp>
+      <p:sp>
+        <p:nvSpPr>
+          <p:cNvPr id="9" name="Объект 8">
+            <a:extLst>
+              <a:ext uri="{FF2B5EF4-FFF2-40B4-BE49-F238E27FC236}">
+                <a16:creationId xmlns:a16="http://schemas.microsoft.com/office/drawing/2014/main" id="{2FA716EE-80BF-1E03-C31F-8774B85720A5}"/>
               </a:ext>
             </a:extLst>
           </p:cNvPr>
@@ -5402,118 +5030,35 @@
             <p:ph idx="1"/>
           </p:nvPr>
         </p:nvSpPr>
-        <p:spPr>
-          <a:xfrm>
-            <a:off x="838199" y="1825625"/>
-            <a:ext cx="11162212" cy="4351338"/>
-          </a:xfrm>
-        </p:spPr>
-        <p:txBody>
-          <a:bodyPr>
-            <a:normAutofit/>
-          </a:bodyPr>
-          <a:lstStyle/>
-          <a:p>
-            <a:r>
-              <a:rPr lang="ru-RU" dirty="0"/>
-              <a:t>3 домашних заданий </a:t>
-            </a:r>
-            <a:r>
-              <a:rPr lang="en-US" dirty="0"/>
-              <a:t>–</a:t>
-            </a:r>
-            <a:r>
-              <a:rPr lang="ru-RU" dirty="0"/>
-              <a:t> 3*30=90 баллов</a:t>
-            </a:r>
-          </a:p>
-          <a:p>
-            <a:r>
-              <a:rPr lang="ru-RU" dirty="0"/>
-              <a:t>Выступление со своей работой – 10 баллов </a:t>
-            </a:r>
-          </a:p>
-          <a:p>
+        <p:spPr/>
+        <p:txBody>
+          <a:bodyPr/>
+          <a:lstStyle/>
+          <a:p>
+            <a:r>
+              <a:rPr lang="ru-RU" dirty="0">
+                <a:hlinkClick r:id="rId2"/>
+              </a:rPr>
+              <a:t>ДЗ 1</a:t>
+            </a:r>
             <a:endParaRPr lang="ru-RU" dirty="0"/>
           </a:p>
           <a:p>
             <a:r>
-              <a:rPr lang="en-US" dirty="0">
-                <a:solidFill>
-                  <a:srgbClr val="FF0000"/>
-                </a:solidFill>
+              <a:rPr lang="ru-RU" dirty="0">
+                <a:hlinkClick r:id="rId3"/>
               </a:rPr>
-              <a:t>[7</a:t>
-            </a:r>
+              <a:t>ДЗ 2</a:t>
+            </a:r>
+            <a:endParaRPr lang="ru-RU" dirty="0"/>
+          </a:p>
+          <a:p>
             <a:r>
               <a:rPr lang="ru-RU" dirty="0">
-                <a:solidFill>
-                  <a:srgbClr val="FF0000"/>
-                </a:solidFill>
+                <a:hlinkClick r:id="rId4"/>
               </a:rPr>
-              <a:t>0</a:t>
-            </a:r>
-            <a:r>
-              <a:rPr lang="en-US" dirty="0">
-                <a:solidFill>
-                  <a:srgbClr val="FF0000"/>
-                </a:solidFill>
-              </a:rPr>
-              <a:t>; </a:t>
-            </a:r>
-            <a:r>
-              <a:rPr lang="ru-RU" dirty="0">
-                <a:solidFill>
-                  <a:srgbClr val="FF0000"/>
-                </a:solidFill>
-              </a:rPr>
-              <a:t>10</a:t>
-            </a:r>
-            <a:r>
-              <a:rPr lang="en-US" dirty="0">
-                <a:solidFill>
-                  <a:srgbClr val="FF0000"/>
-                </a:solidFill>
-              </a:rPr>
-              <a:t>0] </a:t>
-            </a:r>
-            <a:r>
-              <a:rPr lang="ru-RU" dirty="0">
-                <a:solidFill>
-                  <a:srgbClr val="FF0000"/>
-                </a:solidFill>
-              </a:rPr>
-              <a:t>баллов – «Зачет»</a:t>
-            </a:r>
-          </a:p>
-          <a:p>
-            <a:endParaRPr lang="ru-RU" dirty="0"/>
-          </a:p>
-          <a:p>
-            <a:pPr marL="0" indent="0">
-              <a:buNone/>
-            </a:pPr>
-            <a:r>
-              <a:rPr lang="ru-RU" dirty="0"/>
-              <a:t>Добрать баллы на ПА </a:t>
-            </a:r>
-            <a:r>
-              <a:rPr lang="en-US" dirty="0"/>
-              <a:t>–</a:t>
-            </a:r>
-            <a:r>
-              <a:rPr lang="ru-RU" dirty="0"/>
-              <a:t> можно</a:t>
-            </a:r>
-            <a:endParaRPr lang="en-US" dirty="0"/>
-          </a:p>
-          <a:p>
-            <a:endParaRPr lang="en-US" dirty="0"/>
-          </a:p>
-          <a:p>
-            <a:endParaRPr lang="en-US" dirty="0"/>
-          </a:p>
-          <a:p>
+              <a:t>ДЗ 3</a:t>
+            </a:r>
             <a:endParaRPr lang="ru-RU" dirty="0"/>
           </a:p>
         </p:txBody>
@@ -5521,7 +5066,7 @@
     </p:spTree>
     <p:extLst>
       <p:ext uri="{BB962C8B-B14F-4D97-AF65-F5344CB8AC3E}">
-        <p14:creationId xmlns:p14="http://schemas.microsoft.com/office/powerpoint/2010/main" val="1330453069"/>
+        <p14:creationId xmlns:p14="http://schemas.microsoft.com/office/powerpoint/2010/main" val="1048934865"/>
       </p:ext>
     </p:extLst>
   </p:cSld>
@@ -5571,113 +5116,6 @@
           <a:p>
             <a:r>
               <a:rPr lang="ru-RU" dirty="0"/>
-              <a:t>Что за ДЗ такие?</a:t>
-            </a:r>
-          </a:p>
-        </p:txBody>
-      </p:sp>
-      <p:sp>
-        <p:nvSpPr>
-          <p:cNvPr id="9" name="Объект 8">
-            <a:extLst>
-              <a:ext uri="{FF2B5EF4-FFF2-40B4-BE49-F238E27FC236}">
-                <a16:creationId xmlns:a16="http://schemas.microsoft.com/office/drawing/2014/main" id="{2FA716EE-80BF-1E03-C31F-8774B85720A5}"/>
-              </a:ext>
-            </a:extLst>
-          </p:cNvPr>
-          <p:cNvSpPr>
-            <a:spLocks noGrp="1"/>
-          </p:cNvSpPr>
-          <p:nvPr>
-            <p:ph idx="1"/>
-          </p:nvPr>
-        </p:nvSpPr>
-        <p:spPr/>
-        <p:txBody>
-          <a:bodyPr/>
-          <a:lstStyle/>
-          <a:p>
-            <a:r>
-              <a:rPr lang="ru-RU" dirty="0">
-                <a:hlinkClick r:id="rId2"/>
-              </a:rPr>
-              <a:t>ДЗ 1</a:t>
-            </a:r>
-            <a:endParaRPr lang="ru-RU" dirty="0"/>
-          </a:p>
-          <a:p>
-            <a:r>
-              <a:rPr lang="ru-RU" dirty="0">
-                <a:hlinkClick r:id="rId3"/>
-              </a:rPr>
-              <a:t>ДЗ 2</a:t>
-            </a:r>
-            <a:endParaRPr lang="ru-RU" dirty="0"/>
-          </a:p>
-          <a:p>
-            <a:r>
-              <a:rPr lang="ru-RU" dirty="0">
-                <a:hlinkClick r:id="rId4"/>
-              </a:rPr>
-              <a:t>ДЗ 3</a:t>
-            </a:r>
-            <a:endParaRPr lang="ru-RU" dirty="0"/>
-          </a:p>
-        </p:txBody>
-      </p:sp>
-    </p:spTree>
-    <p:extLst>
-      <p:ext uri="{BB962C8B-B14F-4D97-AF65-F5344CB8AC3E}">
-        <p14:creationId xmlns:p14="http://schemas.microsoft.com/office/powerpoint/2010/main" val="1048934865"/>
-      </p:ext>
-    </p:extLst>
-  </p:cSld>
-  <p:clrMapOvr>
-    <a:masterClrMapping/>
-  </p:clrMapOvr>
-</p:sld>
-</file>
-
-<file path=ppt/slides/slide6.xml><?xml version="1.0" encoding="utf-8"?>
-<p:sld xmlns:a="http://schemas.openxmlformats.org/drawingml/2006/main" xmlns:r="http://schemas.openxmlformats.org/officeDocument/2006/relationships" xmlns:p="http://schemas.openxmlformats.org/presentationml/2006/main">
-  <p:cSld>
-    <p:spTree>
-      <p:nvGrpSpPr>
-        <p:cNvPr id="1" name=""/>
-        <p:cNvGrpSpPr/>
-        <p:nvPr/>
-      </p:nvGrpSpPr>
-      <p:grpSpPr>
-        <a:xfrm>
-          <a:off x="0" y="0"/>
-          <a:ext cx="0" cy="0"/>
-          <a:chOff x="0" y="0"/>
-          <a:chExt cx="0" cy="0"/>
-        </a:xfrm>
-      </p:grpSpPr>
-      <p:sp>
-        <p:nvSpPr>
-          <p:cNvPr id="2" name="Заголовок 1">
-            <a:extLst>
-              <a:ext uri="{FF2B5EF4-FFF2-40B4-BE49-F238E27FC236}">
-                <a16:creationId xmlns:a16="http://schemas.microsoft.com/office/drawing/2014/main" id="{A390291F-E119-3FF8-FA6A-EC94746DA763}"/>
-              </a:ext>
-            </a:extLst>
-          </p:cNvPr>
-          <p:cNvSpPr>
-            <a:spLocks noGrp="1"/>
-          </p:cNvSpPr>
-          <p:nvPr>
-            <p:ph type="title"/>
-          </p:nvPr>
-        </p:nvSpPr>
-        <p:spPr/>
-        <p:txBody>
-          <a:bodyPr/>
-          <a:lstStyle/>
-          <a:p>
-            <a:r>
-              <a:rPr lang="ru-RU" dirty="0"/>
               <a:t>Как сдавать ДЗ?</a:t>
             </a:r>
           </a:p>
@@ -5846,7 +5284,7 @@
 </p:sld>
 </file>
 
-<file path=ppt/slides/slide7.xml><?xml version="1.0" encoding="utf-8"?>
+<file path=ppt/slides/slide6.xml><?xml version="1.0" encoding="utf-8"?>
 <p:sld xmlns:a="http://schemas.openxmlformats.org/drawingml/2006/main" xmlns:r="http://schemas.openxmlformats.org/officeDocument/2006/relationships" xmlns:p="http://schemas.openxmlformats.org/presentationml/2006/main">
   <p:cSld>
     <p:spTree>
@@ -6231,6 +5669,141 @@
 </p:sld>
 </file>
 
+<file path=ppt/slides/slide7.xml><?xml version="1.0" encoding="utf-8"?>
+<p:sld xmlns:a="http://schemas.openxmlformats.org/drawingml/2006/main" xmlns:r="http://schemas.openxmlformats.org/officeDocument/2006/relationships" xmlns:p="http://schemas.openxmlformats.org/presentationml/2006/main">
+  <p:cSld>
+    <p:spTree>
+      <p:nvGrpSpPr>
+        <p:cNvPr id="1" name=""/>
+        <p:cNvGrpSpPr/>
+        <p:nvPr/>
+      </p:nvGrpSpPr>
+      <p:grpSpPr>
+        <a:xfrm>
+          <a:off x="0" y="0"/>
+          <a:ext cx="0" cy="0"/>
+          <a:chOff x="0" y="0"/>
+          <a:chExt cx="0" cy="0"/>
+        </a:xfrm>
+      </p:grpSpPr>
+      <p:sp>
+        <p:nvSpPr>
+          <p:cNvPr id="2" name="Заголовок 1">
+            <a:extLst>
+              <a:ext uri="{FF2B5EF4-FFF2-40B4-BE49-F238E27FC236}">
+                <a16:creationId xmlns:a16="http://schemas.microsoft.com/office/drawing/2014/main" id="{A390291F-E119-3FF8-FA6A-EC94746DA763}"/>
+              </a:ext>
+            </a:extLst>
+          </p:cNvPr>
+          <p:cNvSpPr>
+            <a:spLocks noGrp="1"/>
+          </p:cNvSpPr>
+          <p:nvPr>
+            <p:ph type="title"/>
+          </p:nvPr>
+        </p:nvSpPr>
+        <p:spPr/>
+        <p:txBody>
+          <a:bodyPr/>
+          <a:lstStyle/>
+          <a:p>
+            <a:r>
+              <a:rPr lang="ru-RU" dirty="0"/>
+              <a:t>Когда сдавать ДЗ?</a:t>
+            </a:r>
+          </a:p>
+        </p:txBody>
+      </p:sp>
+      <p:sp>
+        <p:nvSpPr>
+          <p:cNvPr id="3" name="Объект 2">
+            <a:extLst>
+              <a:ext uri="{FF2B5EF4-FFF2-40B4-BE49-F238E27FC236}">
+                <a16:creationId xmlns:a16="http://schemas.microsoft.com/office/drawing/2014/main" id="{DAB17BAD-8B47-CE9E-5428-08E8B2110C7C}"/>
+              </a:ext>
+            </a:extLst>
+          </p:cNvPr>
+          <p:cNvSpPr>
+            <a:spLocks noGrp="1"/>
+          </p:cNvSpPr>
+          <p:nvPr>
+            <p:ph idx="1"/>
+          </p:nvPr>
+        </p:nvSpPr>
+        <p:spPr>
+          <a:xfrm>
+            <a:off x="838199" y="1825625"/>
+            <a:ext cx="10613572" cy="4351338"/>
+          </a:xfrm>
+        </p:spPr>
+        <p:txBody>
+          <a:bodyPr>
+            <a:normAutofit/>
+          </a:bodyPr>
+          <a:lstStyle/>
+          <a:p>
+            <a:r>
+              <a:rPr lang="ru-RU" dirty="0"/>
+              <a:t>Жесткий дедлайн – 2 недели с момента выдачи ДЗ</a:t>
+            </a:r>
+          </a:p>
+          <a:p>
+            <a:r>
+              <a:rPr lang="ru-RU" dirty="0"/>
+              <a:t>После жесткого дедлайна работа будет проверяться без баллов</a:t>
+            </a:r>
+          </a:p>
+          <a:p>
+            <a:endParaRPr lang="ru-RU" dirty="0"/>
+          </a:p>
+          <a:p>
+            <a:pPr marL="0" indent="0">
+              <a:buNone/>
+            </a:pPr>
+            <a:endParaRPr lang="ru-RU" dirty="0"/>
+          </a:p>
+          <a:p>
+            <a:pPr marL="0" indent="0">
+              <a:buNone/>
+            </a:pPr>
+            <a:endParaRPr lang="ru-RU" dirty="0"/>
+          </a:p>
+          <a:p>
+            <a:pPr marL="0" indent="0">
+              <a:buNone/>
+            </a:pPr>
+            <a:endParaRPr lang="ru-RU" dirty="0"/>
+          </a:p>
+          <a:p>
+            <a:pPr marL="0" indent="0">
+              <a:buNone/>
+            </a:pPr>
+            <a:endParaRPr lang="ru-RU" dirty="0"/>
+          </a:p>
+          <a:p>
+            <a:pPr marL="0" indent="0">
+              <a:buNone/>
+            </a:pPr>
+            <a:r>
+              <a:rPr lang="ru-RU" dirty="0"/>
+              <a:t>Непредвиденные обстоятельства обсуждаются отдельно</a:t>
+            </a:r>
+          </a:p>
+        </p:txBody>
+      </p:sp>
+    </p:spTree>
+    <p:extLst>
+      <p:ext uri="{BB962C8B-B14F-4D97-AF65-F5344CB8AC3E}">
+        <p14:creationId xmlns:p14="http://schemas.microsoft.com/office/powerpoint/2010/main" val="2517171685"/>
+      </p:ext>
+    </p:extLst>
+  </p:cSld>
+  <p:clrMapOvr>
+    <a:masterClrMapping/>
+  </p:clrMapOvr>
+</p:sld>
+</file>
+
 <file path=ppt/slides/slide8.xml><?xml version="1.0" encoding="utf-8"?>
 <p:sld xmlns:a="http://schemas.openxmlformats.org/drawingml/2006/main" xmlns:r="http://schemas.openxmlformats.org/officeDocument/2006/relationships" xmlns:p="http://schemas.openxmlformats.org/presentationml/2006/main">
   <p:cSld>
@@ -6271,7 +5844,7 @@
           <a:p>
             <a:r>
               <a:rPr lang="ru-RU" dirty="0"/>
-              <a:t>Когда сдавать ДЗ?</a:t>
+              <a:t>Коммуникация</a:t>
             </a:r>
           </a:p>
         </p:txBody>
@@ -6306,49 +5879,29 @@
           <a:p>
             <a:r>
               <a:rPr lang="ru-RU" dirty="0"/>
-              <a:t>Мягкий дедлайн – неделя с момента выдачи ДЗ – полный балл</a:t>
-            </a:r>
-          </a:p>
-          <a:p>
+              <a:t>Чат в </a:t>
+            </a:r>
+            <a:r>
+              <a:rPr lang="en-US" dirty="0" err="1"/>
+              <a:t>tg</a:t>
+            </a:r>
             <a:r>
               <a:rPr lang="ru-RU" dirty="0"/>
-              <a:t>Жесткий дедлайн – 2 недели с момента выдачи ДЗ – 50% баллов</a:t>
-            </a:r>
-          </a:p>
-          <a:p>
-            <a:endParaRPr lang="ru-RU" dirty="0"/>
-          </a:p>
-          <a:p>
-            <a:pPr marL="0" indent="0">
-              <a:buNone/>
-            </a:pPr>
-            <a:endParaRPr lang="ru-RU" dirty="0"/>
-          </a:p>
-          <a:p>
-            <a:pPr marL="0" indent="0">
-              <a:buNone/>
-            </a:pPr>
-            <a:endParaRPr lang="ru-RU" dirty="0"/>
-          </a:p>
-          <a:p>
-            <a:pPr marL="0" indent="0">
-              <a:buNone/>
-            </a:pPr>
-            <a:endParaRPr lang="ru-RU" dirty="0"/>
-          </a:p>
-          <a:p>
-            <a:pPr marL="0" indent="0">
-              <a:buNone/>
-            </a:pPr>
-            <a:endParaRPr lang="ru-RU" dirty="0"/>
-          </a:p>
-          <a:p>
-            <a:pPr marL="0" indent="0">
-              <a:buNone/>
-            </a:pPr>
+              <a:t> для любых вопросов по курсу</a:t>
+            </a:r>
+          </a:p>
+          <a:p>
             <a:r>
               <a:rPr lang="ru-RU" dirty="0"/>
-              <a:t>Непредвиденные обстоятельства обсуждаются отдельно</a:t>
+              <a:t>Можно также писать в </a:t>
+            </a:r>
+            <a:r>
+              <a:rPr lang="ru-RU" dirty="0" err="1"/>
+              <a:t>личку</a:t>
+            </a:r>
+            <a:r>
+              <a:rPr lang="ru-RU" dirty="0"/>
+              <a:t>, если не хочется в чат</a:t>
             </a:r>
           </a:p>
         </p:txBody>
@@ -6356,7 +5909,7 @@
     </p:spTree>
     <p:extLst>
       <p:ext uri="{BB962C8B-B14F-4D97-AF65-F5344CB8AC3E}">
-        <p14:creationId xmlns:p14="http://schemas.microsoft.com/office/powerpoint/2010/main" val="2517171685"/>
+        <p14:creationId xmlns:p14="http://schemas.microsoft.com/office/powerpoint/2010/main" val="3385823283"/>
       </p:ext>
     </p:extLst>
   </p:cSld>
@@ -6406,7 +5959,7 @@
           <a:p>
             <a:r>
               <a:rPr lang="ru-RU" dirty="0"/>
-              <a:t>Коммуникация</a:t>
+              <a:t>Небольшая синхронизация</a:t>
             </a:r>
           </a:p>
         </p:txBody>
@@ -6440,68 +5993,37 @@
           <a:lstStyle/>
           <a:p>
             <a:r>
-              <a:rPr lang="ru-RU" dirty="0"/>
-              <a:t>Чат в </a:t>
-            </a:r>
-            <a:r>
-              <a:rPr lang="en-US" dirty="0" err="1"/>
-              <a:t>tg</a:t>
-            </a:r>
-            <a:r>
-              <a:rPr lang="ru-RU" dirty="0"/>
-              <a:t> для любых вопросов по курсу</a:t>
-            </a:r>
-          </a:p>
-          <a:p>
-            <a:r>
-              <a:rPr lang="ru-RU" dirty="0"/>
-              <a:t>Можно также писать в </a:t>
-            </a:r>
-            <a:r>
-              <a:rPr lang="ru-RU" dirty="0" err="1"/>
-              <a:t>личку</a:t>
-            </a:r>
-            <a:r>
-              <a:rPr lang="ru-RU" dirty="0"/>
-              <a:t>, если не хочется в чат</a:t>
-            </a:r>
-          </a:p>
-        </p:txBody>
-      </p:sp>
-      <p:pic>
-        <p:nvPicPr>
-          <p:cNvPr id="4" name="Рисунок 3">
-            <a:extLst>
-              <a:ext uri="{FF2B5EF4-FFF2-40B4-BE49-F238E27FC236}">
-                <a16:creationId xmlns:a16="http://schemas.microsoft.com/office/drawing/2014/main" id="{916AD832-97CC-CC43-B1FB-D03EB40A50C9}"/>
-              </a:ext>
-            </a:extLst>
-          </p:cNvPr>
-          <p:cNvPicPr>
-            <a:picLocks noChangeAspect="1"/>
-          </p:cNvPicPr>
-          <p:nvPr/>
-        </p:nvPicPr>
-        <p:blipFill>
-          <a:blip r:embed="rId2"/>
-          <a:stretch>
-            <a:fillRect/>
-          </a:stretch>
-        </p:blipFill>
-        <p:spPr>
-          <a:xfrm>
-            <a:off x="9324003" y="4089854"/>
-            <a:ext cx="2403021" cy="2403021"/>
-          </a:xfrm>
-          <a:prstGeom prst="rect">
-            <a:avLst/>
-          </a:prstGeom>
-        </p:spPr>
-      </p:pic>
+              <a:rPr lang="ru-RU" b="0" i="0" dirty="0">
+                <a:solidFill>
+                  <a:srgbClr val="1F2328"/>
+                </a:solidFill>
+                <a:effectLst/>
+                <a:latin typeface="-apple-system"/>
+              </a:rPr>
+              <a:t>Напишите, пожалуйста, насколько хорошо вы знакомы с:</a:t>
+            </a:r>
+          </a:p>
+          <a:p>
+            <a:pPr lvl="1"/>
+            <a:r>
+              <a:rPr lang="en-US" dirty="0">
+                <a:solidFill>
+                  <a:srgbClr val="1F2328"/>
+                </a:solidFill>
+                <a:latin typeface="-apple-system"/>
+              </a:rPr>
+              <a:t>Python</a:t>
+            </a:r>
+          </a:p>
+          <a:p>
+            <a:endParaRPr lang="ru-RU" dirty="0"/>
+          </a:p>
+        </p:txBody>
+      </p:sp>
     </p:spTree>
     <p:extLst>
       <p:ext uri="{BB962C8B-B14F-4D97-AF65-F5344CB8AC3E}">
-        <p14:creationId xmlns:p14="http://schemas.microsoft.com/office/powerpoint/2010/main" val="3385823283"/>
+        <p14:creationId xmlns:p14="http://schemas.microsoft.com/office/powerpoint/2010/main" val="1219801886"/>
       </p:ext>
     </p:extLst>
   </p:cSld>
